--- a/plots/IBM KPZ Ladder Presentation.pptx
+++ b/plots/IBM KPZ Ladder Presentation.pptx
@@ -120,6 +120,11 @@
       </a:defRPr>
     </a:lvl9pPr>
   </p:defaultTextStyle>
+  <p:extLst>
+    <p:ext uri="{EFAFB233-063F-42B5-8137-9DF3F51BA10A}">
+      <p15:sldGuideLst xmlns:p15="http://schemas.microsoft.com/office/powerpoint/2012/main"/>
+    </p:ext>
+  </p:extLst>
 </p:presentation>
 </file>
 
@@ -270,7 +275,7 @@
           <a:p>
             <a:fld id="{2B26E810-B850-E246-B0DE-F696C472EDD6}" type="datetimeFigureOut">
               <a:rPr lang="en-US" smtClean="0"/>
-              <a:t>6/7/24</a:t>
+              <a:t>6/25/2024</a:t>
             </a:fld>
             <a:endParaRPr lang="en-US"/>
           </a:p>
@@ -468,7 +473,7 @@
           <a:p>
             <a:fld id="{2B26E810-B850-E246-B0DE-F696C472EDD6}" type="datetimeFigureOut">
               <a:rPr lang="en-US" smtClean="0"/>
-              <a:t>6/7/24</a:t>
+              <a:t>6/25/2024</a:t>
             </a:fld>
             <a:endParaRPr lang="en-US"/>
           </a:p>
@@ -676,7 +681,7 @@
           <a:p>
             <a:fld id="{2B26E810-B850-E246-B0DE-F696C472EDD6}" type="datetimeFigureOut">
               <a:rPr lang="en-US" smtClean="0"/>
-              <a:t>6/7/24</a:t>
+              <a:t>6/25/2024</a:t>
             </a:fld>
             <a:endParaRPr lang="en-US"/>
           </a:p>
@@ -874,7 +879,7 @@
           <a:p>
             <a:fld id="{2B26E810-B850-E246-B0DE-F696C472EDD6}" type="datetimeFigureOut">
               <a:rPr lang="en-US" smtClean="0"/>
-              <a:t>6/7/24</a:t>
+              <a:t>6/25/2024</a:t>
             </a:fld>
             <a:endParaRPr lang="en-US"/>
           </a:p>
@@ -1149,7 +1154,7 @@
           <a:p>
             <a:fld id="{2B26E810-B850-E246-B0DE-F696C472EDD6}" type="datetimeFigureOut">
               <a:rPr lang="en-US" smtClean="0"/>
-              <a:t>6/7/24</a:t>
+              <a:t>6/25/2024</a:t>
             </a:fld>
             <a:endParaRPr lang="en-US"/>
           </a:p>
@@ -1414,7 +1419,7 @@
           <a:p>
             <a:fld id="{2B26E810-B850-E246-B0DE-F696C472EDD6}" type="datetimeFigureOut">
               <a:rPr lang="en-US" smtClean="0"/>
-              <a:t>6/7/24</a:t>
+              <a:t>6/25/2024</a:t>
             </a:fld>
             <a:endParaRPr lang="en-US"/>
           </a:p>
@@ -1826,7 +1831,7 @@
           <a:p>
             <a:fld id="{2B26E810-B850-E246-B0DE-F696C472EDD6}" type="datetimeFigureOut">
               <a:rPr lang="en-US" smtClean="0"/>
-              <a:t>6/7/24</a:t>
+              <a:t>6/25/2024</a:t>
             </a:fld>
             <a:endParaRPr lang="en-US"/>
           </a:p>
@@ -1967,7 +1972,7 @@
           <a:p>
             <a:fld id="{2B26E810-B850-E246-B0DE-F696C472EDD6}" type="datetimeFigureOut">
               <a:rPr lang="en-US" smtClean="0"/>
-              <a:t>6/7/24</a:t>
+              <a:t>6/25/2024</a:t>
             </a:fld>
             <a:endParaRPr lang="en-US"/>
           </a:p>
@@ -2080,7 +2085,7 @@
           <a:p>
             <a:fld id="{2B26E810-B850-E246-B0DE-F696C472EDD6}" type="datetimeFigureOut">
               <a:rPr lang="en-US" smtClean="0"/>
-              <a:t>6/7/24</a:t>
+              <a:t>6/25/2024</a:t>
             </a:fld>
             <a:endParaRPr lang="en-US"/>
           </a:p>
@@ -2391,7 +2396,7 @@
           <a:p>
             <a:fld id="{2B26E810-B850-E246-B0DE-F696C472EDD6}" type="datetimeFigureOut">
               <a:rPr lang="en-US" smtClean="0"/>
-              <a:t>6/7/24</a:t>
+              <a:t>6/25/2024</a:t>
             </a:fld>
             <a:endParaRPr lang="en-US"/>
           </a:p>
@@ -2679,7 +2684,7 @@
           <a:p>
             <a:fld id="{2B26E810-B850-E246-B0DE-F696C472EDD6}" type="datetimeFigureOut">
               <a:rPr lang="en-US" smtClean="0"/>
-              <a:t>6/7/24</a:t>
+              <a:t>6/25/2024</a:t>
             </a:fld>
             <a:endParaRPr lang="en-US"/>
           </a:p>
@@ -2920,7 +2925,7 @@
           <a:p>
             <a:fld id="{2B26E810-B850-E246-B0DE-F696C472EDD6}" type="datetimeFigureOut">
               <a:rPr lang="en-US" smtClean="0"/>
-              <a:t>6/7/24</a:t>
+              <a:t>6/25/2024</a:t>
             </a:fld>
             <a:endParaRPr lang="en-US"/>
           </a:p>
@@ -3564,7 +3569,7 @@
                 </a14:m>
                 <a:r>
                   <a:rPr lang="en-US" dirty="0"/>
-                  <a:t> symmetries of each chain</a:t>
+                  <a:t> symmetries of each chain, i.e. magnetization in each chain is not separately conserved</a:t>
                 </a:r>
               </a:p>
               <a:p>
@@ -3597,7 +3602,7 @@
               <a:blipFill>
                 <a:blip r:embed="rId2"/>
                 <a:stretch>
-                  <a:fillRect l="-1086" t="-2326" r="-1930"/>
+                  <a:fillRect l="-1043" t="-2241" r="-1913" b="-3081"/>
                 </a:stretch>
               </a:blipFill>
             </p:spPr>
@@ -3903,8 +3908,8 @@
           </a:p>
         </p:txBody>
       </p:sp>
-      <mc:AlternateContent xmlns:mc="http://schemas.openxmlformats.org/markup-compatibility/2006">
-        <mc:Choice xmlns:a14="http://schemas.microsoft.com/office/drawing/2010/main" Requires="a14">
+      <mc:AlternateContent xmlns:mc="http://schemas.openxmlformats.org/markup-compatibility/2006" xmlns:a14="http://schemas.microsoft.com/office/drawing/2010/main">
+        <mc:Choice Requires="a14">
           <p:sp>
             <p:nvSpPr>
               <p:cNvPr id="3" name="Content Placeholder 2">
@@ -4108,13 +4113,7 @@
                                 <a:rPr lang="en-US" b="0" i="1" dirty="0" smtClean="0">
                                   <a:latin typeface="Cambria Math" panose="02040503050406030204" pitchFamily="18" charset="0"/>
                                 </a:rPr>
-                                <m:t>1</m:t>
-                              </m:r>
-                              <m:r>
-                                <a:rPr lang="en-US" b="0" i="1" dirty="0" smtClean="0">
-                                  <a:latin typeface="Cambria Math" panose="02040503050406030204" pitchFamily="18" charset="0"/>
-                                </a:rPr>
-                                <m:t>,</m:t>
+                                <m:t>1,</m:t>
                               </m:r>
                               <m:r>
                                 <a:rPr lang="en-US" b="0" i="1" dirty="0" smtClean="0">
@@ -4163,13 +4162,7 @@
                                 <a:rPr lang="en-US" b="0" i="1" dirty="0" smtClean="0">
                                   <a:latin typeface="Cambria Math" panose="02040503050406030204" pitchFamily="18" charset="0"/>
                                 </a:rPr>
-                                <m:t>1</m:t>
-                              </m:r>
-                              <m:r>
-                                <a:rPr lang="en-US" b="0" i="1" dirty="0" smtClean="0">
-                                  <a:latin typeface="Cambria Math" panose="02040503050406030204" pitchFamily="18" charset="0"/>
-                                </a:rPr>
-                                <m:t>,</m:t>
+                                <m:t>1,</m:t>
                               </m:r>
                               <m:r>
                                 <a:rPr lang="en-US" b="0" i="1" dirty="0" smtClean="0">
@@ -4378,7 +4371,7 @@
                     <m:d>
                       <m:dPr>
                         <m:ctrlPr>
-                          <a:rPr lang="en-US" b="0" i="0" smtClean="0">
+                          <a:rPr lang="en-US" b="0" i="1" smtClean="0">
                             <a:latin typeface="Cambria Math" panose="02040503050406030204" pitchFamily="18" charset="0"/>
                           </a:rPr>
                         </m:ctrlPr>
@@ -4460,7 +4453,7 @@
             </p:txBody>
           </p:sp>
         </mc:Choice>
-        <mc:Fallback>
+        <mc:Fallback xmlns="">
           <p:sp>
             <p:nvSpPr>
               <p:cNvPr id="3" name="Content Placeholder 2">
@@ -4947,8 +4940,8 @@
           </a:p>
         </p:txBody>
       </p:sp>
-      <mc:AlternateContent xmlns:mc="http://schemas.openxmlformats.org/markup-compatibility/2006">
-        <mc:Choice xmlns:a14="http://schemas.microsoft.com/office/drawing/2010/main" Requires="a14">
+      <mc:AlternateContent xmlns:mc="http://schemas.openxmlformats.org/markup-compatibility/2006" xmlns:a14="http://schemas.microsoft.com/office/drawing/2010/main">
+        <mc:Choice Requires="a14">
           <p:sp>
             <p:nvSpPr>
               <p:cNvPr id="3" name="Content Placeholder 2">
@@ -5183,19 +5176,7 @@
                       <a:rPr lang="en-US" b="0" i="1" smtClean="0">
                         <a:latin typeface="Cambria Math" panose="02040503050406030204" pitchFamily="18" charset="0"/>
                       </a:rPr>
-                      <m:t>∼</m:t>
-                    </m:r>
-                    <m:r>
-                      <a:rPr lang="en-US" b="0" i="1" smtClean="0">
-                        <a:latin typeface="Cambria Math" panose="02040503050406030204" pitchFamily="18" charset="0"/>
-                      </a:rPr>
-                      <m:t>1</m:t>
-                    </m:r>
-                    <m:r>
-                      <a:rPr lang="en-US" b="0" i="1" smtClean="0">
-                        <a:latin typeface="Cambria Math" panose="02040503050406030204" pitchFamily="18" charset="0"/>
-                      </a:rPr>
-                      <m:t>/</m:t>
+                      <m:t>∼1/</m:t>
                     </m:r>
                     <m:sSup>
                       <m:sSupPr>
@@ -5266,13 +5247,7 @@
                           <a:rPr lang="en-US" b="0" i="1" smtClean="0">
                             <a:latin typeface="Cambria Math" panose="02040503050406030204" pitchFamily="18" charset="0"/>
                           </a:rPr>
-                          <m:t>−</m:t>
-                        </m:r>
-                        <m:r>
-                          <a:rPr lang="en-US" b="0" i="1" smtClean="0">
-                            <a:latin typeface="Cambria Math" panose="02040503050406030204" pitchFamily="18" charset="0"/>
-                          </a:rPr>
-                          <m:t>6</m:t>
+                          <m:t>−6</m:t>
                         </m:r>
                       </m:sup>
                     </m:sSup>
@@ -5286,7 +5261,7 @@
             </p:txBody>
           </p:sp>
         </mc:Choice>
-        <mc:Fallback>
+        <mc:Fallback xmlns="">
           <p:sp>
             <p:nvSpPr>
               <p:cNvPr id="3" name="Content Placeholder 2">
@@ -5733,50 +5708,134 @@
           </a:p>
         </p:txBody>
       </p:sp>
-      <p:sp>
-        <p:nvSpPr>
-          <p:cNvPr id="3" name="Content Placeholder 2">
-            <a:extLst>
-              <a:ext uri="{FF2B5EF4-FFF2-40B4-BE49-F238E27FC236}">
-                <a16:creationId xmlns:a16="http://schemas.microsoft.com/office/drawing/2014/main" id="{E2A872AB-E9E0-EF55-FC36-19E400EB96D1}"/>
-              </a:ext>
-            </a:extLst>
-          </p:cNvPr>
-          <p:cNvSpPr>
-            <a:spLocks noGrp="1"/>
-          </p:cNvSpPr>
-          <p:nvPr>
-            <p:ph idx="1"/>
-          </p:nvPr>
-        </p:nvSpPr>
-        <p:spPr>
-          <a:xfrm>
-            <a:off x="838200" y="1825625"/>
-            <a:ext cx="10515600" cy="4667250"/>
-          </a:xfrm>
-        </p:spPr>
-        <p:txBody>
-          <a:bodyPr>
-            <a:normAutofit/>
-          </a:bodyPr>
-          <a:lstStyle/>
-          <a:p>
-            <a:r>
-              <a:rPr lang="en-US" dirty="0"/>
-              <a:t>These timescales are difficult to access with state-of-the-art MPS techniques</a:t>
-            </a:r>
-          </a:p>
-          <a:p>
-            <a:r>
-              <a:rPr lang="en-US" dirty="0"/>
-              <a:t>Qualitatively however, one clearly sees that superdiffusion is preserved for much longer timescales as compared to symmetry-breaking perturbations</a:t>
-            </a:r>
-          </a:p>
-          <a:p>
-            <a:endParaRPr lang="en-US" i="1" dirty="0"/>
-          </a:p>
-        </p:txBody>
-      </p:sp>
+      <mc:AlternateContent xmlns:mc="http://schemas.openxmlformats.org/markup-compatibility/2006">
+        <mc:Choice xmlns:a14="http://schemas.microsoft.com/office/drawing/2010/main" Requires="a14">
+          <p:sp>
+            <p:nvSpPr>
+              <p:cNvPr id="3" name="Content Placeholder 2">
+                <a:extLst>
+                  <a:ext uri="{FF2B5EF4-FFF2-40B4-BE49-F238E27FC236}">
+                    <a16:creationId xmlns:a16="http://schemas.microsoft.com/office/drawing/2014/main" id="{E2A872AB-E9E0-EF55-FC36-19E400EB96D1}"/>
+                  </a:ext>
+                </a:extLst>
+              </p:cNvPr>
+              <p:cNvSpPr>
+                <a:spLocks noGrp="1"/>
+              </p:cNvSpPr>
+              <p:nvPr>
+                <p:ph idx="1"/>
+              </p:nvPr>
+            </p:nvSpPr>
+            <p:spPr>
+              <a:xfrm>
+                <a:off x="838200" y="1825625"/>
+                <a:ext cx="10515600" cy="4667250"/>
+              </a:xfrm>
+            </p:spPr>
+            <p:txBody>
+              <a:bodyPr>
+                <a:normAutofit/>
+              </a:bodyPr>
+              <a:lstStyle/>
+              <a:p>
+                <a:r>
+                  <a:rPr lang="en-US" dirty="0"/>
+                  <a:t>These timescales are difficult to access with state-of-the-art MPS techniques</a:t>
+                </a:r>
+              </a:p>
+              <a:p>
+                <a:r>
+                  <a:rPr lang="en-US" dirty="0"/>
+                  <a:t>Qualitatively however, one clearly sees that superdiffusion is preserved for much longer timescales as compared to </a:t>
+                </a:r>
+                <a14:m>
+                  <m:oMath xmlns:m="http://schemas.openxmlformats.org/officeDocument/2006/math">
+                    <m:r>
+                      <a:rPr lang="en-US" i="1">
+                        <a:latin typeface="Cambria Math" panose="02040503050406030204" pitchFamily="18" charset="0"/>
+                      </a:rPr>
+                      <m:t>𝑆𝑈</m:t>
+                    </m:r>
+                    <m:d>
+                      <m:dPr>
+                        <m:ctrlPr>
+                          <a:rPr lang="en-US" i="1">
+                            <a:latin typeface="Cambria Math" panose="02040503050406030204" pitchFamily="18" charset="0"/>
+                          </a:rPr>
+                        </m:ctrlPr>
+                      </m:dPr>
+                      <m:e>
+                        <m:r>
+                          <a:rPr lang="en-US" i="1">
+                            <a:latin typeface="Cambria Math" panose="02040503050406030204" pitchFamily="18" charset="0"/>
+                          </a:rPr>
+                          <m:t>2</m:t>
+                        </m:r>
+                      </m:e>
+                    </m:d>
+                    <m:r>
+                      <a:rPr lang="en-US" i="1">
+                        <a:latin typeface="Cambria Math" panose="02040503050406030204" pitchFamily="18" charset="0"/>
+                      </a:rPr>
+                      <m:t> </m:t>
+                    </m:r>
+                  </m:oMath>
+                </a14:m>
+                <a:r>
+                  <a:rPr lang="en-US" dirty="0"/>
+                  <a:t>symmetry-breaking perturbations</a:t>
+                </a:r>
+              </a:p>
+              <a:p>
+                <a:endParaRPr lang="en-US" i="1" dirty="0"/>
+              </a:p>
+            </p:txBody>
+          </p:sp>
+        </mc:Choice>
+        <mc:Fallback>
+          <p:sp>
+            <p:nvSpPr>
+              <p:cNvPr id="3" name="Content Placeholder 2">
+                <a:extLst>
+                  <a:ext uri="{FF2B5EF4-FFF2-40B4-BE49-F238E27FC236}">
+                    <a16:creationId xmlns:a16="http://schemas.microsoft.com/office/drawing/2014/main" id="{E2A872AB-E9E0-EF55-FC36-19E400EB96D1}"/>
+                  </a:ext>
+                </a:extLst>
+              </p:cNvPr>
+              <p:cNvSpPr>
+                <a:spLocks noGrp="1" noRot="1" noChangeAspect="1" noMove="1" noResize="1" noEditPoints="1" noAdjustHandles="1" noChangeArrowheads="1" noChangeShapeType="1" noTextEdit="1"/>
+              </p:cNvSpPr>
+              <p:nvPr>
+                <p:ph idx="1"/>
+              </p:nvPr>
+            </p:nvSpPr>
+            <p:spPr>
+              <a:xfrm>
+                <a:off x="838200" y="1825625"/>
+                <a:ext cx="10515600" cy="4667250"/>
+              </a:xfrm>
+              <a:blipFill>
+                <a:blip r:embed="rId2"/>
+                <a:stretch>
+                  <a:fillRect l="-1043" t="-2089"/>
+                </a:stretch>
+              </a:blipFill>
+            </p:spPr>
+            <p:txBody>
+              <a:bodyPr/>
+              <a:lstStyle/>
+              <a:p>
+                <a:r>
+                  <a:rPr lang="en-US">
+                    <a:noFill/>
+                  </a:rPr>
+                  <a:t> </a:t>
+                </a:r>
+              </a:p>
+            </p:txBody>
+          </p:sp>
+        </mc:Fallback>
+      </mc:AlternateContent>
     </p:spTree>
     <p:extLst>
       <p:ext uri="{BB962C8B-B14F-4D97-AF65-F5344CB8AC3E}">
@@ -5966,8 +6025,8 @@
           </a:p>
         </p:txBody>
       </p:sp>
-      <mc:AlternateContent xmlns:mc="http://schemas.openxmlformats.org/markup-compatibility/2006">
-        <mc:Choice xmlns:a14="http://schemas.microsoft.com/office/drawing/2010/main" Requires="a14">
+      <mc:AlternateContent xmlns:mc="http://schemas.openxmlformats.org/markup-compatibility/2006" xmlns:a14="http://schemas.microsoft.com/office/drawing/2010/main">
+        <mc:Choice Requires="a14">
           <p:sp>
             <p:nvSpPr>
               <p:cNvPr id="3" name="Content Placeholder 2">
@@ -6129,7 +6188,7 @@
             </p:txBody>
           </p:sp>
         </mc:Choice>
-        <mc:Fallback>
+        <mc:Fallback xmlns="">
           <p:sp>
             <p:nvSpPr>
               <p:cNvPr id="3" name="Content Placeholder 2">
@@ -6407,8 +6466,8 @@
           </a:p>
         </p:txBody>
       </p:sp>
-      <mc:AlternateContent xmlns:mc="http://schemas.openxmlformats.org/markup-compatibility/2006">
-        <mc:Choice xmlns:a14="http://schemas.microsoft.com/office/drawing/2010/main" Requires="a14">
+      <mc:AlternateContent xmlns:mc="http://schemas.openxmlformats.org/markup-compatibility/2006" xmlns:a14="http://schemas.microsoft.com/office/drawing/2010/main">
+        <mc:Choice Requires="a14">
           <p:sp>
             <p:nvSpPr>
               <p:cNvPr id="3" name="Content Placeholder 2">
@@ -6646,13 +6705,7 @@
                             <a:rPr lang="en-US" b="0" i="1" dirty="0" smtClean="0">
                               <a:latin typeface="Cambria Math" panose="02040503050406030204" pitchFamily="18" charset="0"/>
                             </a:rPr>
-                            <m:t>2</m:t>
-                          </m:r>
-                          <m:r>
-                            <a:rPr lang="en-US" b="0" i="1" dirty="0" smtClean="0">
-                              <a:latin typeface="Cambria Math" panose="02040503050406030204" pitchFamily="18" charset="0"/>
-                            </a:rPr>
-                            <m:t>,</m:t>
+                            <m:t>2,</m:t>
                           </m:r>
                           <m:r>
                             <a:rPr lang="en-US" b="0" i="1" dirty="0" smtClean="0">
@@ -6701,13 +6754,7 @@
                             <a:rPr lang="en-US" b="0" i="1" dirty="0" smtClean="0">
                               <a:latin typeface="Cambria Math" panose="02040503050406030204" pitchFamily="18" charset="0"/>
                             </a:rPr>
-                            <m:t>2</m:t>
-                          </m:r>
-                          <m:r>
-                            <a:rPr lang="en-US" b="0" i="1" dirty="0" smtClean="0">
-                              <a:latin typeface="Cambria Math" panose="02040503050406030204" pitchFamily="18" charset="0"/>
-                            </a:rPr>
-                            <m:t>,</m:t>
+                            <m:t>2,</m:t>
                           </m:r>
                           <m:r>
                             <a:rPr lang="en-US" b="0" i="1" dirty="0" smtClean="0">
@@ -6850,13 +6897,7 @@
                                 <a:rPr lang="en-US" b="0" i="1" dirty="0" smtClean="0">
                                   <a:latin typeface="Cambria Math" panose="02040503050406030204" pitchFamily="18" charset="0"/>
                                 </a:rPr>
-                                <m:t>2</m:t>
-                              </m:r>
-                              <m:r>
-                                <a:rPr lang="en-US" b="0" i="1" dirty="0" smtClean="0">
-                                  <a:latin typeface="Cambria Math" panose="02040503050406030204" pitchFamily="18" charset="0"/>
-                                </a:rPr>
-                                <m:t>,</m:t>
+                                <m:t>2,</m:t>
                               </m:r>
                               <m:r>
                                 <a:rPr lang="en-US" b="0" i="1" dirty="0" smtClean="0">
@@ -7031,7 +7072,7 @@
             </p:txBody>
           </p:sp>
         </mc:Choice>
-        <mc:Fallback>
+        <mc:Fallback xmlns="">
           <p:sp>
             <p:nvSpPr>
               <p:cNvPr id="3" name="Content Placeholder 2">
@@ -7358,8 +7399,8 @@
           </a:p>
         </p:txBody>
       </p:sp>
-      <mc:AlternateContent xmlns:mc="http://schemas.openxmlformats.org/markup-compatibility/2006">
-        <mc:Choice xmlns:a14="http://schemas.microsoft.com/office/drawing/2010/main" Requires="a14">
+      <mc:AlternateContent xmlns:mc="http://schemas.openxmlformats.org/markup-compatibility/2006" xmlns:a14="http://schemas.microsoft.com/office/drawing/2010/main">
+        <mc:Choice Requires="a14">
           <p:sp>
             <p:nvSpPr>
               <p:cNvPr id="3" name="Content Placeholder 2">
@@ -8009,7 +8050,7 @@
             </p:txBody>
           </p:sp>
         </mc:Choice>
-        <mc:Fallback>
+        <mc:Fallback xmlns="">
           <p:sp>
             <p:nvSpPr>
               <p:cNvPr id="3" name="Content Placeholder 2">
@@ -8434,8 +8475,8 @@
           </a:p>
         </p:txBody>
       </p:sp>
-      <mc:AlternateContent xmlns:mc="http://schemas.openxmlformats.org/markup-compatibility/2006">
-        <mc:Choice xmlns:a14="http://schemas.microsoft.com/office/drawing/2010/main" Requires="a14">
+      <mc:AlternateContent xmlns:mc="http://schemas.openxmlformats.org/markup-compatibility/2006" xmlns:a14="http://schemas.microsoft.com/office/drawing/2010/main">
+        <mc:Choice Requires="a14">
           <p:sp>
             <p:nvSpPr>
               <p:cNvPr id="3" name="Content Placeholder 2">
@@ -8700,7 +8741,7 @@
             </p:txBody>
           </p:sp>
         </mc:Choice>
-        <mc:Fallback>
+        <mc:Fallback xmlns="">
           <p:sp>
             <p:nvSpPr>
               <p:cNvPr id="3" name="Content Placeholder 2">
@@ -9027,8 +9068,8 @@
           </a:p>
         </p:txBody>
       </p:sp>
-      <mc:AlternateContent xmlns:mc="http://schemas.openxmlformats.org/markup-compatibility/2006">
-        <mc:Choice xmlns:a14="http://schemas.microsoft.com/office/drawing/2010/main" Requires="a14">
+      <mc:AlternateContent xmlns:mc="http://schemas.openxmlformats.org/markup-compatibility/2006" xmlns:a14="http://schemas.microsoft.com/office/drawing/2010/main">
+        <mc:Choice Requires="a14">
           <p:sp>
             <p:nvSpPr>
               <p:cNvPr id="3" name="Content Placeholder 2">
@@ -9243,13 +9284,7 @@
                           <a:rPr lang="en-US" b="0" i="1" smtClean="0">
                             <a:latin typeface="Cambria Math" panose="02040503050406030204" pitchFamily="18" charset="0"/>
                           </a:rPr>
-                          <m:t>−</m:t>
-                        </m:r>
-                        <m:r>
-                          <a:rPr lang="en-US" b="0" i="1" smtClean="0">
-                            <a:latin typeface="Cambria Math" panose="02040503050406030204" pitchFamily="18" charset="0"/>
-                          </a:rPr>
-                          <m:t>2</m:t>
+                          <m:t>−2</m:t>
                         </m:r>
                       </m:sup>
                     </m:sSup>
@@ -9263,7 +9298,7 @@
             </p:txBody>
           </p:sp>
         </mc:Choice>
-        <mc:Fallback>
+        <mc:Fallback xmlns="">
           <p:sp>
             <p:nvSpPr>
               <p:cNvPr id="3" name="Content Placeholder 2">
@@ -9513,8 +9548,8 @@
           <a:chExt cx="0" cy="0"/>
         </a:xfrm>
       </p:grpSpPr>
-      <mc:AlternateContent xmlns:mc="http://schemas.openxmlformats.org/markup-compatibility/2006">
-        <mc:Choice xmlns:a14="http://schemas.microsoft.com/office/drawing/2010/main" Requires="a14">
+      <mc:AlternateContent xmlns:mc="http://schemas.openxmlformats.org/markup-compatibility/2006" xmlns:a14="http://schemas.microsoft.com/office/drawing/2010/main">
+        <mc:Choice Requires="a14">
           <p:sp>
             <p:nvSpPr>
               <p:cNvPr id="4" name="Title 3">
@@ -9625,7 +9660,7 @@
             </p:txBody>
           </p:sp>
         </mc:Choice>
-        <mc:Fallback>
+        <mc:Fallback xmlns="">
           <p:sp>
             <p:nvSpPr>
               <p:cNvPr id="4" name="Title 3">
@@ -9758,8 +9793,8 @@
           <a:chExt cx="0" cy="0"/>
         </a:xfrm>
       </p:grpSpPr>
-      <mc:AlternateContent xmlns:mc="http://schemas.openxmlformats.org/markup-compatibility/2006">
-        <mc:Choice xmlns:a14="http://schemas.microsoft.com/office/drawing/2010/main" Requires="a14">
+      <mc:AlternateContent xmlns:mc="http://schemas.openxmlformats.org/markup-compatibility/2006" xmlns:a14="http://schemas.microsoft.com/office/drawing/2010/main">
+        <mc:Choice Requires="a14">
           <p:sp>
             <p:nvSpPr>
               <p:cNvPr id="4" name="Title 3">
@@ -9847,7 +9882,7 @@
             </p:txBody>
           </p:sp>
         </mc:Choice>
-        <mc:Fallback>
+        <mc:Fallback xmlns="">
           <p:sp>
             <p:nvSpPr>
               <p:cNvPr id="4" name="Title 3">
